--- a/Introduction.pptx
+++ b/Introduction.pptx
@@ -5,35 +5,36 @@
     <p:sldMasterId id="2147483648" r:id="rId1"/>
   </p:sldMasterIdLst>
   <p:notesMasterIdLst>
-    <p:notesMasterId r:id="rId28"/>
+    <p:notesMasterId r:id="rId29"/>
   </p:notesMasterIdLst>
   <p:sldIdLst>
     <p:sldId id="256" r:id="rId2"/>
     <p:sldId id="286" r:id="rId3"/>
     <p:sldId id="257" r:id="rId4"/>
     <p:sldId id="275" r:id="rId5"/>
-    <p:sldId id="258" r:id="rId6"/>
-    <p:sldId id="268" r:id="rId7"/>
-    <p:sldId id="269" r:id="rId8"/>
-    <p:sldId id="270" r:id="rId9"/>
-    <p:sldId id="271" r:id="rId10"/>
-    <p:sldId id="259" r:id="rId11"/>
-    <p:sldId id="272" r:id="rId12"/>
-    <p:sldId id="273" r:id="rId13"/>
-    <p:sldId id="282" r:id="rId14"/>
-    <p:sldId id="260" r:id="rId15"/>
-    <p:sldId id="262" r:id="rId16"/>
-    <p:sldId id="280" r:id="rId17"/>
-    <p:sldId id="281" r:id="rId18"/>
-    <p:sldId id="274" r:id="rId19"/>
-    <p:sldId id="276" r:id="rId20"/>
-    <p:sldId id="278" r:id="rId21"/>
-    <p:sldId id="279" r:id="rId22"/>
-    <p:sldId id="263" r:id="rId23"/>
-    <p:sldId id="283" r:id="rId24"/>
-    <p:sldId id="284" r:id="rId25"/>
-    <p:sldId id="261" r:id="rId26"/>
-    <p:sldId id="264" r:id="rId27"/>
+    <p:sldId id="287" r:id="rId6"/>
+    <p:sldId id="258" r:id="rId7"/>
+    <p:sldId id="268" r:id="rId8"/>
+    <p:sldId id="269" r:id="rId9"/>
+    <p:sldId id="270" r:id="rId10"/>
+    <p:sldId id="271" r:id="rId11"/>
+    <p:sldId id="259" r:id="rId12"/>
+    <p:sldId id="272" r:id="rId13"/>
+    <p:sldId id="273" r:id="rId14"/>
+    <p:sldId id="282" r:id="rId15"/>
+    <p:sldId id="260" r:id="rId16"/>
+    <p:sldId id="262" r:id="rId17"/>
+    <p:sldId id="280" r:id="rId18"/>
+    <p:sldId id="281" r:id="rId19"/>
+    <p:sldId id="274" r:id="rId20"/>
+    <p:sldId id="276" r:id="rId21"/>
+    <p:sldId id="278" r:id="rId22"/>
+    <p:sldId id="279" r:id="rId23"/>
+    <p:sldId id="263" r:id="rId24"/>
+    <p:sldId id="283" r:id="rId25"/>
+    <p:sldId id="284" r:id="rId26"/>
+    <p:sldId id="261" r:id="rId27"/>
+    <p:sldId id="264" r:id="rId28"/>
   </p:sldIdLst>
   <p:sldSz cx="12192000" cy="6858000"/>
   <p:notesSz cx="6858000" cy="9144000"/>
@@ -145,6 +146,7 @@
             <p14:sldId id="286"/>
             <p14:sldId id="257"/>
             <p14:sldId id="275"/>
+            <p14:sldId id="287"/>
             <p14:sldId id="258"/>
             <p14:sldId id="268"/>
             <p14:sldId id="269"/>
@@ -593,7 +595,7 @@
           <a:p>
             <a:fld id="{8E958E43-EFD3-4EF7-A53E-D58179A3E5FA}" type="slidenum">
               <a:rPr lang="en-GB" smtClean="0"/>
-              <a:t>17</a:t>
+              <a:t>18</a:t>
             </a:fld>
             <a:endParaRPr lang="en-GB"/>
           </a:p>
@@ -3560,6 +3562,422 @@
           <a:p>
             <a:r>
               <a:rPr lang="en-GB" dirty="0" smtClean="0"/>
+              <a:t>Binary data</a:t>
+            </a:r>
+            <a:endParaRPr lang="en-GB" dirty="0"/>
+          </a:p>
+        </p:txBody>
+      </p:sp>
+      <p:sp>
+        <p:nvSpPr>
+          <p:cNvPr id="3" name="Content Placeholder 2"/>
+          <p:cNvSpPr>
+            <a:spLocks noGrp="1"/>
+          </p:cNvSpPr>
+          <p:nvPr>
+            <p:ph idx="1"/>
+          </p:nvPr>
+        </p:nvSpPr>
+        <p:spPr>
+          <a:xfrm>
+            <a:off x="1054331" y="1842250"/>
+            <a:ext cx="10515600" cy="4351338"/>
+          </a:xfrm>
+        </p:spPr>
+        <p:txBody>
+          <a:bodyPr/>
+          <a:lstStyle/>
+          <a:p>
+            <a:r>
+              <a:rPr lang="en-GB" dirty="0" smtClean="0"/>
+              <a:t>Two options</a:t>
+            </a:r>
+          </a:p>
+          <a:p>
+            <a:r>
+              <a:rPr lang="en-GB" dirty="0" smtClean="0"/>
+              <a:t>Stored as 0/1</a:t>
+            </a:r>
+          </a:p>
+          <a:p>
+            <a:endParaRPr lang="en-GB" dirty="0"/>
+          </a:p>
+        </p:txBody>
+      </p:sp>
+      <p:graphicFrame>
+        <p:nvGraphicFramePr>
+          <p:cNvPr id="4" name="Table 3"/>
+          <p:cNvGraphicFramePr>
+            <a:graphicFrameLocks noGrp="1"/>
+          </p:cNvGraphicFramePr>
+          <p:nvPr>
+            <p:extLst>
+              <p:ext uri="{D42A27DB-BD31-4B8C-83A1-F6EECF244321}">
+                <p14:modId xmlns:p14="http://schemas.microsoft.com/office/powerpoint/2010/main" val="328802419"/>
+              </p:ext>
+            </p:extLst>
+          </p:nvPr>
+        </p:nvGraphicFramePr>
+        <p:xfrm>
+          <a:off x="1184101" y="3363113"/>
+          <a:ext cx="4876800" cy="1854200"/>
+        </p:xfrm>
+        <a:graphic>
+          <a:graphicData uri="http://schemas.openxmlformats.org/drawingml/2006/table">
+            <a:tbl>
+              <a:tblPr firstRow="1">
+                <a:tableStyleId>{8799B23B-EC83-4686-B30A-512413B5E67A}</a:tableStyleId>
+              </a:tblPr>
+              <a:tblGrid>
+                <a:gridCol w="1625600">
+                  <a:extLst>
+                    <a:ext uri="{9D8B030D-6E8A-4147-A177-3AD203B41FA5}">
+                      <a16:colId xmlns:a16="http://schemas.microsoft.com/office/drawing/2014/main" val="917389463"/>
+                    </a:ext>
+                  </a:extLst>
+                </a:gridCol>
+                <a:gridCol w="1625600">
+                  <a:extLst>
+                    <a:ext uri="{9D8B030D-6E8A-4147-A177-3AD203B41FA5}">
+                      <a16:colId xmlns:a16="http://schemas.microsoft.com/office/drawing/2014/main" val="754635450"/>
+                    </a:ext>
+                  </a:extLst>
+                </a:gridCol>
+                <a:gridCol w="1625600">
+                  <a:extLst>
+                    <a:ext uri="{9D8B030D-6E8A-4147-A177-3AD203B41FA5}">
+                      <a16:colId xmlns:a16="http://schemas.microsoft.com/office/drawing/2014/main" val="200593208"/>
+                    </a:ext>
+                  </a:extLst>
+                </a:gridCol>
+              </a:tblGrid>
+              <a:tr h="370840">
+                <a:tc>
+                  <a:txBody>
+                    <a:bodyPr/>
+                    <a:lstStyle/>
+                    <a:p>
+                      <a:r>
+                        <a:rPr lang="en-GB" dirty="0" smtClean="0"/>
+                        <a:t>BinaryVar1</a:t>
+                      </a:r>
+                      <a:endParaRPr lang="en-GB" dirty="0"/>
+                    </a:p>
+                  </a:txBody>
+                  <a:tcPr/>
+                </a:tc>
+                <a:tc>
+                  <a:txBody>
+                    <a:bodyPr/>
+                    <a:lstStyle/>
+                    <a:p>
+                      <a:pPr marL="0" marR="0" lvl="0" indent="0" algn="l" defTabSz="914400" rtl="0" eaLnBrk="1" fontAlgn="auto" latinLnBrk="0" hangingPunct="1">
+                        <a:lnSpc>
+                          <a:spcPct val="100000"/>
+                        </a:lnSpc>
+                        <a:spcBef>
+                          <a:spcPts val="0"/>
+                        </a:spcBef>
+                        <a:spcAft>
+                          <a:spcPts val="0"/>
+                        </a:spcAft>
+                        <a:buClrTx/>
+                        <a:buSzTx/>
+                        <a:buFontTx/>
+                        <a:buNone/>
+                        <a:tabLst/>
+                        <a:defRPr/>
+                      </a:pPr>
+                      <a:r>
+                        <a:rPr lang="en-GB" dirty="0" smtClean="0"/>
+                        <a:t>BinaryVar2</a:t>
+                      </a:r>
+                    </a:p>
+                  </a:txBody>
+                  <a:tcPr/>
+                </a:tc>
+                <a:tc>
+                  <a:txBody>
+                    <a:bodyPr/>
+                    <a:lstStyle/>
+                    <a:p>
+                      <a:pPr marL="0" marR="0" lvl="0" indent="0" algn="l" defTabSz="914400" rtl="0" eaLnBrk="1" fontAlgn="auto" latinLnBrk="0" hangingPunct="1">
+                        <a:lnSpc>
+                          <a:spcPct val="100000"/>
+                        </a:lnSpc>
+                        <a:spcBef>
+                          <a:spcPts val="0"/>
+                        </a:spcBef>
+                        <a:spcAft>
+                          <a:spcPts val="0"/>
+                        </a:spcAft>
+                        <a:buClrTx/>
+                        <a:buSzTx/>
+                        <a:buFontTx/>
+                        <a:buNone/>
+                        <a:tabLst/>
+                        <a:defRPr/>
+                      </a:pPr>
+                      <a:r>
+                        <a:rPr lang="en-GB" dirty="0" smtClean="0"/>
+                        <a:t>BinaryVar3</a:t>
+                      </a:r>
+                    </a:p>
+                  </a:txBody>
+                  <a:tcPr/>
+                </a:tc>
+                <a:extLst>
+                  <a:ext uri="{0D108BD9-81ED-4DB2-BD59-A6C34878D82A}">
+                    <a16:rowId xmlns:a16="http://schemas.microsoft.com/office/drawing/2014/main" val="3674652695"/>
+                  </a:ext>
+                </a:extLst>
+              </a:tr>
+              <a:tr h="370840">
+                <a:tc>
+                  <a:txBody>
+                    <a:bodyPr/>
+                    <a:lstStyle/>
+                    <a:p>
+                      <a:r>
+                        <a:rPr lang="en-GB" dirty="0" smtClean="0"/>
+                        <a:t>1</a:t>
+                      </a:r>
+                      <a:endParaRPr lang="en-GB" dirty="0"/>
+                    </a:p>
+                  </a:txBody>
+                  <a:tcPr/>
+                </a:tc>
+                <a:tc>
+                  <a:txBody>
+                    <a:bodyPr/>
+                    <a:lstStyle/>
+                    <a:p>
+                      <a:r>
+                        <a:rPr lang="en-GB" dirty="0" smtClean="0"/>
+                        <a:t>Yes</a:t>
+                      </a:r>
+                      <a:endParaRPr lang="en-GB" dirty="0"/>
+                    </a:p>
+                  </a:txBody>
+                  <a:tcPr/>
+                </a:tc>
+                <a:tc>
+                  <a:txBody>
+                    <a:bodyPr/>
+                    <a:lstStyle/>
+                    <a:p>
+                      <a:r>
+                        <a:rPr lang="en-GB" dirty="0" smtClean="0"/>
+                        <a:t>On</a:t>
+                      </a:r>
+                      <a:endParaRPr lang="en-GB" dirty="0"/>
+                    </a:p>
+                  </a:txBody>
+                  <a:tcPr/>
+                </a:tc>
+                <a:extLst>
+                  <a:ext uri="{0D108BD9-81ED-4DB2-BD59-A6C34878D82A}">
+                    <a16:rowId xmlns:a16="http://schemas.microsoft.com/office/drawing/2014/main" val="387687086"/>
+                  </a:ext>
+                </a:extLst>
+              </a:tr>
+              <a:tr h="370840">
+                <a:tc>
+                  <a:txBody>
+                    <a:bodyPr/>
+                    <a:lstStyle/>
+                    <a:p>
+                      <a:r>
+                        <a:rPr lang="en-GB" dirty="0" smtClean="0"/>
+                        <a:t>1</a:t>
+                      </a:r>
+                    </a:p>
+                  </a:txBody>
+                  <a:tcPr/>
+                </a:tc>
+                <a:tc>
+                  <a:txBody>
+                    <a:bodyPr/>
+                    <a:lstStyle/>
+                    <a:p>
+                      <a:r>
+                        <a:rPr lang="en-GB" dirty="0" smtClean="0"/>
+                        <a:t>No</a:t>
+                      </a:r>
+                      <a:endParaRPr lang="en-GB" dirty="0"/>
+                    </a:p>
+                  </a:txBody>
+                  <a:tcPr/>
+                </a:tc>
+                <a:tc>
+                  <a:txBody>
+                    <a:bodyPr/>
+                    <a:lstStyle/>
+                    <a:p>
+                      <a:r>
+                        <a:rPr lang="en-GB" dirty="0" smtClean="0"/>
+                        <a:t>Off</a:t>
+                      </a:r>
+                      <a:endParaRPr lang="en-GB" dirty="0"/>
+                    </a:p>
+                  </a:txBody>
+                  <a:tcPr/>
+                </a:tc>
+                <a:extLst>
+                  <a:ext uri="{0D108BD9-81ED-4DB2-BD59-A6C34878D82A}">
+                    <a16:rowId xmlns:a16="http://schemas.microsoft.com/office/drawing/2014/main" val="416454719"/>
+                  </a:ext>
+                </a:extLst>
+              </a:tr>
+              <a:tr h="370840">
+                <a:tc>
+                  <a:txBody>
+                    <a:bodyPr/>
+                    <a:lstStyle/>
+                    <a:p>
+                      <a:r>
+                        <a:rPr lang="en-GB" dirty="0" smtClean="0"/>
+                        <a:t>0</a:t>
+                      </a:r>
+                      <a:endParaRPr lang="en-GB" dirty="0"/>
+                    </a:p>
+                  </a:txBody>
+                  <a:tcPr/>
+                </a:tc>
+                <a:tc>
+                  <a:txBody>
+                    <a:bodyPr/>
+                    <a:lstStyle/>
+                    <a:p>
+                      <a:r>
+                        <a:rPr lang="en-GB" dirty="0" smtClean="0"/>
+                        <a:t>Yes</a:t>
+                      </a:r>
+                      <a:endParaRPr lang="en-GB" dirty="0"/>
+                    </a:p>
+                  </a:txBody>
+                  <a:tcPr/>
+                </a:tc>
+                <a:tc>
+                  <a:txBody>
+                    <a:bodyPr/>
+                    <a:lstStyle/>
+                    <a:p>
+                      <a:r>
+                        <a:rPr lang="en-GB" dirty="0" smtClean="0"/>
+                        <a:t>Off</a:t>
+                      </a:r>
+                      <a:endParaRPr lang="en-GB" dirty="0"/>
+                    </a:p>
+                  </a:txBody>
+                  <a:tcPr/>
+                </a:tc>
+                <a:extLst>
+                  <a:ext uri="{0D108BD9-81ED-4DB2-BD59-A6C34878D82A}">
+                    <a16:rowId xmlns:a16="http://schemas.microsoft.com/office/drawing/2014/main" val="1822420664"/>
+                  </a:ext>
+                </a:extLst>
+              </a:tr>
+              <a:tr h="370840">
+                <a:tc>
+                  <a:txBody>
+                    <a:bodyPr/>
+                    <a:lstStyle/>
+                    <a:p>
+                      <a:r>
+                        <a:rPr lang="en-GB" dirty="0" smtClean="0"/>
+                        <a:t>0</a:t>
+                      </a:r>
+                      <a:endParaRPr lang="en-GB" dirty="0"/>
+                    </a:p>
+                  </a:txBody>
+                  <a:tcPr/>
+                </a:tc>
+                <a:tc>
+                  <a:txBody>
+                    <a:bodyPr/>
+                    <a:lstStyle/>
+                    <a:p>
+                      <a:r>
+                        <a:rPr lang="en-GB" dirty="0" smtClean="0"/>
+                        <a:t>No</a:t>
+                      </a:r>
+                      <a:endParaRPr lang="en-GB" dirty="0"/>
+                    </a:p>
+                  </a:txBody>
+                  <a:tcPr/>
+                </a:tc>
+                <a:tc>
+                  <a:txBody>
+                    <a:bodyPr/>
+                    <a:lstStyle/>
+                    <a:p>
+                      <a:r>
+                        <a:rPr lang="en-GB" dirty="0" smtClean="0"/>
+                        <a:t>On</a:t>
+                      </a:r>
+                      <a:endParaRPr lang="en-GB" dirty="0"/>
+                    </a:p>
+                  </a:txBody>
+                  <a:tcPr/>
+                </a:tc>
+                <a:extLst>
+                  <a:ext uri="{0D108BD9-81ED-4DB2-BD59-A6C34878D82A}">
+                    <a16:rowId xmlns:a16="http://schemas.microsoft.com/office/drawing/2014/main" val="1780297747"/>
+                  </a:ext>
+                </a:extLst>
+              </a:tr>
+            </a:tbl>
+          </a:graphicData>
+        </a:graphic>
+      </p:graphicFrame>
+    </p:spTree>
+    <p:extLst>
+      <p:ext uri="{BB962C8B-B14F-4D97-AF65-F5344CB8AC3E}">
+        <p14:creationId xmlns:p14="http://schemas.microsoft.com/office/powerpoint/2010/main" val="495724549"/>
+      </p:ext>
+    </p:extLst>
+  </p:cSld>
+  <p:clrMapOvr>
+    <a:masterClrMapping/>
+  </p:clrMapOvr>
+</p:sld>
+</file>
+
+<file path=ppt/slides/slide11.xml><?xml version="1.0" encoding="utf-8"?>
+<p:sld xmlns:a="http://schemas.openxmlformats.org/drawingml/2006/main" xmlns:r="http://schemas.openxmlformats.org/officeDocument/2006/relationships" xmlns:p="http://schemas.openxmlformats.org/presentationml/2006/main">
+  <p:cSld>
+    <p:spTree>
+      <p:nvGrpSpPr>
+        <p:cNvPr id="1" name=""/>
+        <p:cNvGrpSpPr/>
+        <p:nvPr/>
+      </p:nvGrpSpPr>
+      <p:grpSpPr>
+        <a:xfrm>
+          <a:off x="0" y="0"/>
+          <a:ext cx="0" cy="0"/>
+          <a:chOff x="0" y="0"/>
+          <a:chExt cx="0" cy="0"/>
+        </a:xfrm>
+      </p:grpSpPr>
+      <p:sp>
+        <p:nvSpPr>
+          <p:cNvPr id="2" name="Title 1"/>
+          <p:cNvSpPr>
+            <a:spLocks noGrp="1"/>
+          </p:cNvSpPr>
+          <p:nvPr>
+            <p:ph type="title"/>
+          </p:nvPr>
+        </p:nvSpPr>
+        <p:spPr/>
+        <p:txBody>
+          <a:bodyPr/>
+          <a:lstStyle/>
+          <a:p>
+            <a:r>
+              <a:rPr lang="en-GB" dirty="0" smtClean="0"/>
               <a:t>Recap: Data formats</a:t>
             </a:r>
             <a:endParaRPr lang="en-GB" dirty="0"/>
@@ -3602,7 +4020,7 @@
 </p:sld>
 </file>
 
-<file path=ppt/slides/slide11.xml><?xml version="1.0" encoding="utf-8"?>
+<file path=ppt/slides/slide12.xml><?xml version="1.0" encoding="utf-8"?>
 <p:sld xmlns:a="http://schemas.openxmlformats.org/drawingml/2006/main" xmlns:r="http://schemas.openxmlformats.org/officeDocument/2006/relationships" xmlns:p="http://schemas.openxmlformats.org/presentationml/2006/main">
   <p:cSld>
     <p:spTree>
@@ -4069,7 +4487,7 @@
 </p:sld>
 </file>
 
-<file path=ppt/slides/slide12.xml><?xml version="1.0" encoding="utf-8"?>
+<file path=ppt/slides/slide13.xml><?xml version="1.0" encoding="utf-8"?>
 <p:sld xmlns:a="http://schemas.openxmlformats.org/drawingml/2006/main" xmlns:r="http://schemas.openxmlformats.org/officeDocument/2006/relationships" xmlns:p="http://schemas.openxmlformats.org/presentationml/2006/main">
   <p:cSld>
     <p:spTree>
@@ -4893,7 +5311,7 @@
 </p:sld>
 </file>
 
-<file path=ppt/slides/slide13.xml><?xml version="1.0" encoding="utf-8"?>
+<file path=ppt/slides/slide14.xml><?xml version="1.0" encoding="utf-8"?>
 <p:sld xmlns:a="http://schemas.openxmlformats.org/drawingml/2006/main" xmlns:r="http://schemas.openxmlformats.org/officeDocument/2006/relationships" xmlns:p="http://schemas.openxmlformats.org/presentationml/2006/main">
   <p:cSld>
     <p:spTree>
@@ -5899,7 +6317,7 @@
 </p:sld>
 </file>
 
-<file path=ppt/slides/slide14.xml><?xml version="1.0" encoding="utf-8"?>
+<file path=ppt/slides/slide15.xml><?xml version="1.0" encoding="utf-8"?>
 <p:sld xmlns:a="http://schemas.openxmlformats.org/drawingml/2006/main" xmlns:r="http://schemas.openxmlformats.org/officeDocument/2006/relationships" xmlns:p="http://schemas.openxmlformats.org/presentationml/2006/main">
   <p:cSld>
     <p:spTree>
@@ -6087,7 +6505,7 @@
 </p:sld>
 </file>
 
-<file path=ppt/slides/slide15.xml><?xml version="1.0" encoding="utf-8"?>
+<file path=ppt/slides/slide16.xml><?xml version="1.0" encoding="utf-8"?>
 <p:sld xmlns:a="http://schemas.openxmlformats.org/drawingml/2006/main" xmlns:r="http://schemas.openxmlformats.org/officeDocument/2006/relationships" xmlns:p="http://schemas.openxmlformats.org/presentationml/2006/main">
   <p:cSld>
     <p:spTree>
@@ -6227,7 +6645,7 @@
 </p:sld>
 </file>
 
-<file path=ppt/slides/slide16.xml><?xml version="1.0" encoding="utf-8"?>
+<file path=ppt/slides/slide17.xml><?xml version="1.0" encoding="utf-8"?>
 <p:sld xmlns:a="http://schemas.openxmlformats.org/drawingml/2006/main" xmlns:r="http://schemas.openxmlformats.org/officeDocument/2006/relationships" xmlns:p="http://schemas.openxmlformats.org/presentationml/2006/main">
   <p:cSld>
     <p:spTree>
@@ -6895,7 +7313,7 @@
 </p:sld>
 </file>
 
-<file path=ppt/slides/slide17.xml><?xml version="1.0" encoding="utf-8"?>
+<file path=ppt/slides/slide18.xml><?xml version="1.0" encoding="utf-8"?>
 <p:sld xmlns:a="http://schemas.openxmlformats.org/drawingml/2006/main" xmlns:r="http://schemas.openxmlformats.org/officeDocument/2006/relationships" xmlns:p="http://schemas.openxmlformats.org/presentationml/2006/main">
   <p:cSld>
     <p:spTree>
@@ -9932,7 +10350,7 @@
 </p:sld>
 </file>
 
-<file path=ppt/slides/slide18.xml><?xml version="1.0" encoding="utf-8"?>
+<file path=ppt/slides/slide19.xml><?xml version="1.0" encoding="utf-8"?>
 <p:sld xmlns:a="http://schemas.openxmlformats.org/drawingml/2006/main" xmlns:r="http://schemas.openxmlformats.org/officeDocument/2006/relationships" xmlns:p="http://schemas.openxmlformats.org/presentationml/2006/main">
   <p:cSld>
     <p:spTree>
@@ -11259,7 +11677,79 @@
 </p:sld>
 </file>
 
-<file path=ppt/slides/slide19.xml><?xml version="1.0" encoding="utf-8"?>
+<file path=ppt/slides/slide2.xml><?xml version="1.0" encoding="utf-8"?>
+<p:sld xmlns:a="http://schemas.openxmlformats.org/drawingml/2006/main" xmlns:r="http://schemas.openxmlformats.org/officeDocument/2006/relationships" xmlns:p="http://schemas.openxmlformats.org/presentationml/2006/main">
+  <p:cSld>
+    <p:spTree>
+      <p:nvGrpSpPr>
+        <p:cNvPr id="1" name=""/>
+        <p:cNvGrpSpPr/>
+        <p:nvPr/>
+      </p:nvGrpSpPr>
+      <p:grpSpPr>
+        <a:xfrm>
+          <a:off x="0" y="0"/>
+          <a:ext cx="0" cy="0"/>
+          <a:chOff x="0" y="0"/>
+          <a:chExt cx="0" cy="0"/>
+        </a:xfrm>
+      </p:grpSpPr>
+      <p:sp>
+        <p:nvSpPr>
+          <p:cNvPr id="2" name="Title 1"/>
+          <p:cNvSpPr>
+            <a:spLocks noGrp="1"/>
+          </p:cNvSpPr>
+          <p:nvPr>
+            <p:ph type="title"/>
+          </p:nvPr>
+        </p:nvSpPr>
+        <p:spPr/>
+        <p:txBody>
+          <a:bodyPr/>
+          <a:lstStyle/>
+          <a:p>
+            <a:r>
+              <a:rPr lang="en-GB" dirty="0" smtClean="0"/>
+              <a:t>Introduction</a:t>
+            </a:r>
+            <a:endParaRPr lang="en-GB" dirty="0"/>
+          </a:p>
+        </p:txBody>
+      </p:sp>
+      <p:sp>
+        <p:nvSpPr>
+          <p:cNvPr id="4" name="Text Placeholder 3"/>
+          <p:cNvSpPr>
+            <a:spLocks noGrp="1"/>
+          </p:cNvSpPr>
+          <p:nvPr>
+            <p:ph type="body" idx="1"/>
+          </p:nvPr>
+        </p:nvSpPr>
+        <p:spPr/>
+        <p:txBody>
+          <a:bodyPr/>
+          <a:lstStyle/>
+          <a:p>
+            <a:endParaRPr lang="en-GB"/>
+          </a:p>
+        </p:txBody>
+      </p:sp>
+    </p:spTree>
+    <p:extLst>
+      <p:ext uri="{BB962C8B-B14F-4D97-AF65-F5344CB8AC3E}">
+        <p14:creationId xmlns:p14="http://schemas.microsoft.com/office/powerpoint/2010/main" val="149128631"/>
+      </p:ext>
+    </p:extLst>
+  </p:cSld>
+  <p:clrMapOvr>
+    <a:masterClrMapping/>
+  </p:clrMapOvr>
+</p:sld>
+</file>
+
+<file path=ppt/slides/slide20.xml><?xml version="1.0" encoding="utf-8"?>
 <p:sld xmlns:a="http://schemas.openxmlformats.org/drawingml/2006/main" xmlns:r="http://schemas.openxmlformats.org/officeDocument/2006/relationships" xmlns:p="http://schemas.openxmlformats.org/presentationml/2006/main">
   <p:cSld>
     <p:spTree>
@@ -13630,79 +14120,7 @@
 </p:sld>
 </file>
 
-<file path=ppt/slides/slide2.xml><?xml version="1.0" encoding="utf-8"?>
-<p:sld xmlns:a="http://schemas.openxmlformats.org/drawingml/2006/main" xmlns:r="http://schemas.openxmlformats.org/officeDocument/2006/relationships" xmlns:p="http://schemas.openxmlformats.org/presentationml/2006/main">
-  <p:cSld>
-    <p:spTree>
-      <p:nvGrpSpPr>
-        <p:cNvPr id="1" name=""/>
-        <p:cNvGrpSpPr/>
-        <p:nvPr/>
-      </p:nvGrpSpPr>
-      <p:grpSpPr>
-        <a:xfrm>
-          <a:off x="0" y="0"/>
-          <a:ext cx="0" cy="0"/>
-          <a:chOff x="0" y="0"/>
-          <a:chExt cx="0" cy="0"/>
-        </a:xfrm>
-      </p:grpSpPr>
-      <p:sp>
-        <p:nvSpPr>
-          <p:cNvPr id="2" name="Title 1"/>
-          <p:cNvSpPr>
-            <a:spLocks noGrp="1"/>
-          </p:cNvSpPr>
-          <p:nvPr>
-            <p:ph type="title"/>
-          </p:nvPr>
-        </p:nvSpPr>
-        <p:spPr/>
-        <p:txBody>
-          <a:bodyPr/>
-          <a:lstStyle/>
-          <a:p>
-            <a:r>
-              <a:rPr lang="en-GB" dirty="0" smtClean="0"/>
-              <a:t>Introduction</a:t>
-            </a:r>
-            <a:endParaRPr lang="en-GB" dirty="0"/>
-          </a:p>
-        </p:txBody>
-      </p:sp>
-      <p:sp>
-        <p:nvSpPr>
-          <p:cNvPr id="4" name="Text Placeholder 3"/>
-          <p:cNvSpPr>
-            <a:spLocks noGrp="1"/>
-          </p:cNvSpPr>
-          <p:nvPr>
-            <p:ph type="body" idx="1"/>
-          </p:nvPr>
-        </p:nvSpPr>
-        <p:spPr/>
-        <p:txBody>
-          <a:bodyPr/>
-          <a:lstStyle/>
-          <a:p>
-            <a:endParaRPr lang="en-GB"/>
-          </a:p>
-        </p:txBody>
-      </p:sp>
-    </p:spTree>
-    <p:extLst>
-      <p:ext uri="{BB962C8B-B14F-4D97-AF65-F5344CB8AC3E}">
-        <p14:creationId xmlns:p14="http://schemas.microsoft.com/office/powerpoint/2010/main" val="149128631"/>
-      </p:ext>
-    </p:extLst>
-  </p:cSld>
-  <p:clrMapOvr>
-    <a:masterClrMapping/>
-  </p:clrMapOvr>
-</p:sld>
-</file>
-
-<file path=ppt/slides/slide20.xml><?xml version="1.0" encoding="utf-8"?>
+<file path=ppt/slides/slide21.xml><?xml version="1.0" encoding="utf-8"?>
 <p:sld xmlns:a="http://schemas.openxmlformats.org/drawingml/2006/main" xmlns:r="http://schemas.openxmlformats.org/officeDocument/2006/relationships" xmlns:p="http://schemas.openxmlformats.org/presentationml/2006/main">
   <p:cSld>
     <p:spTree>
@@ -14485,7 +14903,7 @@
 </p:sld>
 </file>
 
-<file path=ppt/slides/slide21.xml><?xml version="1.0" encoding="utf-8"?>
+<file path=ppt/slides/slide22.xml><?xml version="1.0" encoding="utf-8"?>
 <p:sld xmlns:a="http://schemas.openxmlformats.org/drawingml/2006/main" xmlns:r="http://schemas.openxmlformats.org/officeDocument/2006/relationships" xmlns:p="http://schemas.openxmlformats.org/presentationml/2006/main">
   <p:cSld>
     <p:spTree>
@@ -16825,7 +17243,7 @@
 </p:sld>
 </file>
 
-<file path=ppt/slides/slide22.xml><?xml version="1.0" encoding="utf-8"?>
+<file path=ppt/slides/slide23.xml><?xml version="1.0" encoding="utf-8"?>
 <p:sld xmlns:a="http://schemas.openxmlformats.org/drawingml/2006/main" xmlns:r="http://schemas.openxmlformats.org/officeDocument/2006/relationships" xmlns:p="http://schemas.openxmlformats.org/presentationml/2006/main">
   <p:cSld>
     <p:spTree>
@@ -16956,7 +17374,7 @@
 </p:sld>
 </file>
 
-<file path=ppt/slides/slide23.xml><?xml version="1.0" encoding="utf-8"?>
+<file path=ppt/slides/slide24.xml><?xml version="1.0" encoding="utf-8"?>
 <p:sld xmlns:a="http://schemas.openxmlformats.org/drawingml/2006/main" xmlns:r="http://schemas.openxmlformats.org/officeDocument/2006/relationships" xmlns:p="http://schemas.openxmlformats.org/presentationml/2006/main">
   <p:cSld>
     <p:spTree>
@@ -18520,7 +18938,7 @@
 </p:sld>
 </file>
 
-<file path=ppt/slides/slide24.xml><?xml version="1.0" encoding="utf-8"?>
+<file path=ppt/slides/slide25.xml><?xml version="1.0" encoding="utf-8"?>
 <p:sld xmlns:a="http://schemas.openxmlformats.org/drawingml/2006/main" xmlns:r="http://schemas.openxmlformats.org/officeDocument/2006/relationships" xmlns:p="http://schemas.openxmlformats.org/presentationml/2006/main">
   <p:cSld>
     <p:spTree>
@@ -18689,7 +19107,7 @@
 </p:sld>
 </file>
 
-<file path=ppt/slides/slide25.xml><?xml version="1.0" encoding="utf-8"?>
+<file path=ppt/slides/slide26.xml><?xml version="1.0" encoding="utf-8"?>
 <p:sld xmlns:a="http://schemas.openxmlformats.org/drawingml/2006/main" xmlns:r="http://schemas.openxmlformats.org/officeDocument/2006/relationships" xmlns:p="http://schemas.openxmlformats.org/presentationml/2006/main">
   <p:cSld>
     <p:spTree>
@@ -18826,7 +19244,7 @@
 </p:sld>
 </file>
 
-<file path=ppt/slides/slide26.xml><?xml version="1.0" encoding="utf-8"?>
+<file path=ppt/slides/slide27.xml><?xml version="1.0" encoding="utf-8"?>
 <p:sld xmlns:a="http://schemas.openxmlformats.org/drawingml/2006/main" xmlns:r="http://schemas.openxmlformats.org/officeDocument/2006/relationships" xmlns:p="http://schemas.openxmlformats.org/presentationml/2006/main">
   <p:cSld>
     <p:spTree>
@@ -19670,6 +20088,115 @@
           <a:p>
             <a:r>
               <a:rPr lang="en-GB" dirty="0" smtClean="0"/>
+              <a:t>Recommended reading</a:t>
+            </a:r>
+            <a:endParaRPr lang="en-GB" dirty="0"/>
+          </a:p>
+        </p:txBody>
+      </p:sp>
+      <p:sp>
+        <p:nvSpPr>
+          <p:cNvPr id="3" name="Content Placeholder 2"/>
+          <p:cNvSpPr>
+            <a:spLocks noGrp="1"/>
+          </p:cNvSpPr>
+          <p:nvPr>
+            <p:ph idx="1"/>
+          </p:nvPr>
+        </p:nvSpPr>
+        <p:spPr>
+          <a:xfrm>
+            <a:off x="838200" y="1825625"/>
+            <a:ext cx="4226169" cy="4351338"/>
+          </a:xfrm>
+        </p:spPr>
+        <p:txBody>
+          <a:bodyPr/>
+          <a:lstStyle/>
+          <a:p>
+            <a:r>
+              <a:rPr lang="en-GB" dirty="0" err="1" smtClean="0"/>
+              <a:t>Kellenberger</a:t>
+            </a:r>
+            <a:r>
+              <a:rPr lang="en-GB" dirty="0" smtClean="0"/>
+              <a:t> &amp; Shaw “Beginning T-SQL”</a:t>
+            </a:r>
+            <a:endParaRPr lang="en-GB" dirty="0"/>
+          </a:p>
+        </p:txBody>
+      </p:sp>
+      <p:pic>
+        <p:nvPicPr>
+          <p:cNvPr id="5" name="Picture 4"/>
+          <p:cNvPicPr>
+            <a:picLocks noChangeAspect="1"/>
+          </p:cNvPicPr>
+          <p:nvPr/>
+        </p:nvPicPr>
+        <p:blipFill>
+          <a:blip r:embed="rId2"/>
+          <a:stretch>
+            <a:fillRect/>
+          </a:stretch>
+        </p:blipFill>
+        <p:spPr>
+          <a:xfrm>
+            <a:off x="6408133" y="365125"/>
+            <a:ext cx="5073363" cy="6160512"/>
+          </a:xfrm>
+          <a:prstGeom prst="rect">
+            <a:avLst/>
+          </a:prstGeom>
+        </p:spPr>
+      </p:pic>
+    </p:spTree>
+    <p:extLst>
+      <p:ext uri="{BB962C8B-B14F-4D97-AF65-F5344CB8AC3E}">
+        <p14:creationId xmlns:p14="http://schemas.microsoft.com/office/powerpoint/2010/main" val="231360339"/>
+      </p:ext>
+    </p:extLst>
+  </p:cSld>
+  <p:clrMapOvr>
+    <a:masterClrMapping/>
+  </p:clrMapOvr>
+</p:sld>
+</file>
+
+<file path=ppt/slides/slide6.xml><?xml version="1.0" encoding="utf-8"?>
+<p:sld xmlns:a="http://schemas.openxmlformats.org/drawingml/2006/main" xmlns:r="http://schemas.openxmlformats.org/officeDocument/2006/relationships" xmlns:p="http://schemas.openxmlformats.org/presentationml/2006/main">
+  <p:cSld>
+    <p:spTree>
+      <p:nvGrpSpPr>
+        <p:cNvPr id="1" name=""/>
+        <p:cNvGrpSpPr/>
+        <p:nvPr/>
+      </p:nvGrpSpPr>
+      <p:grpSpPr>
+        <a:xfrm>
+          <a:off x="0" y="0"/>
+          <a:ext cx="0" cy="0"/>
+          <a:chOff x="0" y="0"/>
+          <a:chExt cx="0" cy="0"/>
+        </a:xfrm>
+      </p:grpSpPr>
+      <p:sp>
+        <p:nvSpPr>
+          <p:cNvPr id="2" name="Title 1"/>
+          <p:cNvSpPr>
+            <a:spLocks noGrp="1"/>
+          </p:cNvSpPr>
+          <p:nvPr>
+            <p:ph type="title"/>
+          </p:nvPr>
+        </p:nvSpPr>
+        <p:spPr/>
+        <p:txBody>
+          <a:bodyPr/>
+          <a:lstStyle/>
+          <a:p>
+            <a:r>
+              <a:rPr lang="en-GB" dirty="0" smtClean="0"/>
               <a:t>Recap: Data types</a:t>
             </a:r>
             <a:endParaRPr lang="en-GB" dirty="0"/>
@@ -19730,7 +20257,7 @@
 </p:sld>
 </file>
 
-<file path=ppt/slides/slide6.xml><?xml version="1.0" encoding="utf-8"?>
+<file path=ppt/slides/slide7.xml><?xml version="1.0" encoding="utf-8"?>
 <p:sld xmlns:a="http://schemas.openxmlformats.org/drawingml/2006/main" xmlns:r="http://schemas.openxmlformats.org/officeDocument/2006/relationships" xmlns:p="http://schemas.openxmlformats.org/presentationml/2006/main">
   <p:cSld>
     <p:spTree>
@@ -20362,7 +20889,7 @@
 </p:sld>
 </file>
 
-<file path=ppt/slides/slide7.xml><?xml version="1.0" encoding="utf-8"?>
+<file path=ppt/slides/slide8.xml><?xml version="1.0" encoding="utf-8"?>
 <p:sld xmlns:a="http://schemas.openxmlformats.org/drawingml/2006/main" xmlns:r="http://schemas.openxmlformats.org/officeDocument/2006/relationships" xmlns:p="http://schemas.openxmlformats.org/presentationml/2006/main">
   <p:cSld>
     <p:spTree>
@@ -20778,125 +21305,6 @@
 </p:sld>
 </file>
 
-<file path=ppt/slides/slide8.xml><?xml version="1.0" encoding="utf-8"?>
-<p:sld xmlns:a="http://schemas.openxmlformats.org/drawingml/2006/main" xmlns:r="http://schemas.openxmlformats.org/officeDocument/2006/relationships" xmlns:p="http://schemas.openxmlformats.org/presentationml/2006/main">
-  <p:cSld>
-    <p:spTree>
-      <p:nvGrpSpPr>
-        <p:cNvPr id="1" name=""/>
-        <p:cNvGrpSpPr/>
-        <p:nvPr/>
-      </p:nvGrpSpPr>
-      <p:grpSpPr>
-        <a:xfrm>
-          <a:off x="0" y="0"/>
-          <a:ext cx="0" cy="0"/>
-          <a:chOff x="0" y="0"/>
-          <a:chExt cx="0" cy="0"/>
-        </a:xfrm>
-      </p:grpSpPr>
-      <p:sp>
-        <p:nvSpPr>
-          <p:cNvPr id="2" name="Title 1"/>
-          <p:cNvSpPr>
-            <a:spLocks noGrp="1"/>
-          </p:cNvSpPr>
-          <p:nvPr>
-            <p:ph type="title"/>
-          </p:nvPr>
-        </p:nvSpPr>
-        <p:spPr/>
-        <p:txBody>
-          <a:bodyPr/>
-          <a:lstStyle/>
-          <a:p>
-            <a:r>
-              <a:rPr lang="en-GB" dirty="0" smtClean="0"/>
-              <a:t>Date data</a:t>
-            </a:r>
-            <a:endParaRPr lang="en-GB" dirty="0"/>
-          </a:p>
-        </p:txBody>
-      </p:sp>
-      <p:sp>
-        <p:nvSpPr>
-          <p:cNvPr id="3" name="Content Placeholder 2"/>
-          <p:cNvSpPr>
-            <a:spLocks noGrp="1"/>
-          </p:cNvSpPr>
-          <p:nvPr>
-            <p:ph idx="1"/>
-          </p:nvPr>
-        </p:nvSpPr>
-        <p:spPr>
-          <a:xfrm>
-            <a:off x="1054331" y="1842250"/>
-            <a:ext cx="10515600" cy="4351338"/>
-          </a:xfrm>
-        </p:spPr>
-        <p:txBody>
-          <a:bodyPr/>
-          <a:lstStyle/>
-          <a:p>
-            <a:r>
-              <a:rPr lang="en-GB" dirty="0" smtClean="0"/>
-              <a:t>Date, Time, Date and time</a:t>
-            </a:r>
-          </a:p>
-          <a:p>
-            <a:r>
-              <a:rPr lang="en-GB" dirty="0" smtClean="0"/>
-              <a:t>Most problematic:</a:t>
-            </a:r>
-          </a:p>
-          <a:p>
-            <a:pPr lvl="1"/>
-            <a:r>
-              <a:rPr lang="en-GB" dirty="0" smtClean="0"/>
-              <a:t>Different start dates</a:t>
-            </a:r>
-          </a:p>
-          <a:p>
-            <a:pPr lvl="1"/>
-            <a:r>
-              <a:rPr lang="en-GB" dirty="0" smtClean="0"/>
-              <a:t>Different formats</a:t>
-            </a:r>
-          </a:p>
-          <a:p>
-            <a:endParaRPr lang="en-GB" dirty="0"/>
-          </a:p>
-          <a:p>
-            <a:r>
-              <a:rPr lang="en-GB" dirty="0" smtClean="0"/>
-              <a:t>Recommended format is ISO 8601:</a:t>
-            </a:r>
-          </a:p>
-          <a:p>
-            <a:pPr lvl="1"/>
-            <a:r>
-              <a:rPr lang="en-GB" dirty="0" smtClean="0"/>
-              <a:t>YYYY-MM-DD</a:t>
-            </a:r>
-          </a:p>
-          <a:p>
-            <a:endParaRPr lang="en-GB" dirty="0"/>
-          </a:p>
-        </p:txBody>
-      </p:sp>
-    </p:spTree>
-    <p:extLst>
-      <p:ext uri="{BB962C8B-B14F-4D97-AF65-F5344CB8AC3E}">
-        <p14:creationId xmlns:p14="http://schemas.microsoft.com/office/powerpoint/2010/main" val="2812926811"/>
-      </p:ext>
-    </p:extLst>
-  </p:cSld>
-  <p:clrMapOvr>
-    <a:masterClrMapping/>
-  </p:clrMapOvr>
-</p:sld>
-</file>
-
 <file path=ppt/slides/slide9.xml><?xml version="1.0" encoding="utf-8"?>
 <p:sld xmlns:a="http://schemas.openxmlformats.org/drawingml/2006/main" xmlns:r="http://schemas.openxmlformats.org/officeDocument/2006/relationships" xmlns:p="http://schemas.openxmlformats.org/presentationml/2006/main">
   <p:cSld>
@@ -20931,7 +21339,7 @@
           <a:p>
             <a:r>
               <a:rPr lang="en-GB" dirty="0" smtClean="0"/>
-              <a:t>Binary data</a:t>
+              <a:t>Date data</a:t>
             </a:r>
             <a:endParaRPr lang="en-GB" dirty="0"/>
           </a:p>
@@ -20959,13 +21367,43 @@
           <a:p>
             <a:r>
               <a:rPr lang="en-GB" dirty="0" smtClean="0"/>
-              <a:t>Two options</a:t>
+              <a:t>Date, Time, Date and time</a:t>
             </a:r>
           </a:p>
           <a:p>
             <a:r>
               <a:rPr lang="en-GB" dirty="0" smtClean="0"/>
-              <a:t>Stored as 0/1</a:t>
+              <a:t>Most problematic:</a:t>
+            </a:r>
+          </a:p>
+          <a:p>
+            <a:pPr lvl="1"/>
+            <a:r>
+              <a:rPr lang="en-GB" dirty="0" smtClean="0"/>
+              <a:t>Different start dates</a:t>
+            </a:r>
+          </a:p>
+          <a:p>
+            <a:pPr lvl="1"/>
+            <a:r>
+              <a:rPr lang="en-GB" dirty="0" smtClean="0"/>
+              <a:t>Different formats</a:t>
+            </a:r>
+          </a:p>
+          <a:p>
+            <a:endParaRPr lang="en-GB" dirty="0"/>
+          </a:p>
+          <a:p>
+            <a:r>
+              <a:rPr lang="en-GB" dirty="0" smtClean="0"/>
+              <a:t>Recommended format is ISO 8601:</a:t>
+            </a:r>
+          </a:p>
+          <a:p>
+            <a:pPr lvl="1"/>
+            <a:r>
+              <a:rPr lang="en-GB" dirty="0" smtClean="0"/>
+              <a:t>YYYY-MM-DD</a:t>
             </a:r>
           </a:p>
           <a:p>
@@ -20973,337 +21411,10 @@
           </a:p>
         </p:txBody>
       </p:sp>
-      <p:graphicFrame>
-        <p:nvGraphicFramePr>
-          <p:cNvPr id="4" name="Table 3"/>
-          <p:cNvGraphicFramePr>
-            <a:graphicFrameLocks noGrp="1"/>
-          </p:cNvGraphicFramePr>
-          <p:nvPr>
-            <p:extLst>
-              <p:ext uri="{D42A27DB-BD31-4B8C-83A1-F6EECF244321}">
-                <p14:modId xmlns:p14="http://schemas.microsoft.com/office/powerpoint/2010/main" val="328802419"/>
-              </p:ext>
-            </p:extLst>
-          </p:nvPr>
-        </p:nvGraphicFramePr>
-        <p:xfrm>
-          <a:off x="1184101" y="3363113"/>
-          <a:ext cx="4876800" cy="1854200"/>
-        </p:xfrm>
-        <a:graphic>
-          <a:graphicData uri="http://schemas.openxmlformats.org/drawingml/2006/table">
-            <a:tbl>
-              <a:tblPr firstRow="1">
-                <a:tableStyleId>{8799B23B-EC83-4686-B30A-512413B5E67A}</a:tableStyleId>
-              </a:tblPr>
-              <a:tblGrid>
-                <a:gridCol w="1625600">
-                  <a:extLst>
-                    <a:ext uri="{9D8B030D-6E8A-4147-A177-3AD203B41FA5}">
-                      <a16:colId xmlns:a16="http://schemas.microsoft.com/office/drawing/2014/main" val="917389463"/>
-                    </a:ext>
-                  </a:extLst>
-                </a:gridCol>
-                <a:gridCol w="1625600">
-                  <a:extLst>
-                    <a:ext uri="{9D8B030D-6E8A-4147-A177-3AD203B41FA5}">
-                      <a16:colId xmlns:a16="http://schemas.microsoft.com/office/drawing/2014/main" val="754635450"/>
-                    </a:ext>
-                  </a:extLst>
-                </a:gridCol>
-                <a:gridCol w="1625600">
-                  <a:extLst>
-                    <a:ext uri="{9D8B030D-6E8A-4147-A177-3AD203B41FA5}">
-                      <a16:colId xmlns:a16="http://schemas.microsoft.com/office/drawing/2014/main" val="200593208"/>
-                    </a:ext>
-                  </a:extLst>
-                </a:gridCol>
-              </a:tblGrid>
-              <a:tr h="370840">
-                <a:tc>
-                  <a:txBody>
-                    <a:bodyPr/>
-                    <a:lstStyle/>
-                    <a:p>
-                      <a:r>
-                        <a:rPr lang="en-GB" dirty="0" smtClean="0"/>
-                        <a:t>BinaryVar1</a:t>
-                      </a:r>
-                      <a:endParaRPr lang="en-GB" dirty="0"/>
-                    </a:p>
-                  </a:txBody>
-                  <a:tcPr/>
-                </a:tc>
-                <a:tc>
-                  <a:txBody>
-                    <a:bodyPr/>
-                    <a:lstStyle/>
-                    <a:p>
-                      <a:pPr marL="0" marR="0" lvl="0" indent="0" algn="l" defTabSz="914400" rtl="0" eaLnBrk="1" fontAlgn="auto" latinLnBrk="0" hangingPunct="1">
-                        <a:lnSpc>
-                          <a:spcPct val="100000"/>
-                        </a:lnSpc>
-                        <a:spcBef>
-                          <a:spcPts val="0"/>
-                        </a:spcBef>
-                        <a:spcAft>
-                          <a:spcPts val="0"/>
-                        </a:spcAft>
-                        <a:buClrTx/>
-                        <a:buSzTx/>
-                        <a:buFontTx/>
-                        <a:buNone/>
-                        <a:tabLst/>
-                        <a:defRPr/>
-                      </a:pPr>
-                      <a:r>
-                        <a:rPr lang="en-GB" dirty="0" smtClean="0"/>
-                        <a:t>BinaryVar2</a:t>
-                      </a:r>
-                    </a:p>
-                  </a:txBody>
-                  <a:tcPr/>
-                </a:tc>
-                <a:tc>
-                  <a:txBody>
-                    <a:bodyPr/>
-                    <a:lstStyle/>
-                    <a:p>
-                      <a:pPr marL="0" marR="0" lvl="0" indent="0" algn="l" defTabSz="914400" rtl="0" eaLnBrk="1" fontAlgn="auto" latinLnBrk="0" hangingPunct="1">
-                        <a:lnSpc>
-                          <a:spcPct val="100000"/>
-                        </a:lnSpc>
-                        <a:spcBef>
-                          <a:spcPts val="0"/>
-                        </a:spcBef>
-                        <a:spcAft>
-                          <a:spcPts val="0"/>
-                        </a:spcAft>
-                        <a:buClrTx/>
-                        <a:buSzTx/>
-                        <a:buFontTx/>
-                        <a:buNone/>
-                        <a:tabLst/>
-                        <a:defRPr/>
-                      </a:pPr>
-                      <a:r>
-                        <a:rPr lang="en-GB" dirty="0" smtClean="0"/>
-                        <a:t>BinaryVar3</a:t>
-                      </a:r>
-                    </a:p>
-                  </a:txBody>
-                  <a:tcPr/>
-                </a:tc>
-                <a:extLst>
-                  <a:ext uri="{0D108BD9-81ED-4DB2-BD59-A6C34878D82A}">
-                    <a16:rowId xmlns:a16="http://schemas.microsoft.com/office/drawing/2014/main" val="3674652695"/>
-                  </a:ext>
-                </a:extLst>
-              </a:tr>
-              <a:tr h="370840">
-                <a:tc>
-                  <a:txBody>
-                    <a:bodyPr/>
-                    <a:lstStyle/>
-                    <a:p>
-                      <a:r>
-                        <a:rPr lang="en-GB" dirty="0" smtClean="0"/>
-                        <a:t>1</a:t>
-                      </a:r>
-                      <a:endParaRPr lang="en-GB" dirty="0"/>
-                    </a:p>
-                  </a:txBody>
-                  <a:tcPr/>
-                </a:tc>
-                <a:tc>
-                  <a:txBody>
-                    <a:bodyPr/>
-                    <a:lstStyle/>
-                    <a:p>
-                      <a:r>
-                        <a:rPr lang="en-GB" dirty="0" smtClean="0"/>
-                        <a:t>Yes</a:t>
-                      </a:r>
-                      <a:endParaRPr lang="en-GB" dirty="0"/>
-                    </a:p>
-                  </a:txBody>
-                  <a:tcPr/>
-                </a:tc>
-                <a:tc>
-                  <a:txBody>
-                    <a:bodyPr/>
-                    <a:lstStyle/>
-                    <a:p>
-                      <a:r>
-                        <a:rPr lang="en-GB" dirty="0" smtClean="0"/>
-                        <a:t>On</a:t>
-                      </a:r>
-                      <a:endParaRPr lang="en-GB" dirty="0"/>
-                    </a:p>
-                  </a:txBody>
-                  <a:tcPr/>
-                </a:tc>
-                <a:extLst>
-                  <a:ext uri="{0D108BD9-81ED-4DB2-BD59-A6C34878D82A}">
-                    <a16:rowId xmlns:a16="http://schemas.microsoft.com/office/drawing/2014/main" val="387687086"/>
-                  </a:ext>
-                </a:extLst>
-              </a:tr>
-              <a:tr h="370840">
-                <a:tc>
-                  <a:txBody>
-                    <a:bodyPr/>
-                    <a:lstStyle/>
-                    <a:p>
-                      <a:r>
-                        <a:rPr lang="en-GB" dirty="0" smtClean="0"/>
-                        <a:t>1</a:t>
-                      </a:r>
-                    </a:p>
-                  </a:txBody>
-                  <a:tcPr/>
-                </a:tc>
-                <a:tc>
-                  <a:txBody>
-                    <a:bodyPr/>
-                    <a:lstStyle/>
-                    <a:p>
-                      <a:r>
-                        <a:rPr lang="en-GB" dirty="0" smtClean="0"/>
-                        <a:t>No</a:t>
-                      </a:r>
-                      <a:endParaRPr lang="en-GB" dirty="0"/>
-                    </a:p>
-                  </a:txBody>
-                  <a:tcPr/>
-                </a:tc>
-                <a:tc>
-                  <a:txBody>
-                    <a:bodyPr/>
-                    <a:lstStyle/>
-                    <a:p>
-                      <a:r>
-                        <a:rPr lang="en-GB" dirty="0" smtClean="0"/>
-                        <a:t>Off</a:t>
-                      </a:r>
-                      <a:endParaRPr lang="en-GB" dirty="0"/>
-                    </a:p>
-                  </a:txBody>
-                  <a:tcPr/>
-                </a:tc>
-                <a:extLst>
-                  <a:ext uri="{0D108BD9-81ED-4DB2-BD59-A6C34878D82A}">
-                    <a16:rowId xmlns:a16="http://schemas.microsoft.com/office/drawing/2014/main" val="416454719"/>
-                  </a:ext>
-                </a:extLst>
-              </a:tr>
-              <a:tr h="370840">
-                <a:tc>
-                  <a:txBody>
-                    <a:bodyPr/>
-                    <a:lstStyle/>
-                    <a:p>
-                      <a:r>
-                        <a:rPr lang="en-GB" dirty="0" smtClean="0"/>
-                        <a:t>0</a:t>
-                      </a:r>
-                      <a:endParaRPr lang="en-GB" dirty="0"/>
-                    </a:p>
-                  </a:txBody>
-                  <a:tcPr/>
-                </a:tc>
-                <a:tc>
-                  <a:txBody>
-                    <a:bodyPr/>
-                    <a:lstStyle/>
-                    <a:p>
-                      <a:r>
-                        <a:rPr lang="en-GB" dirty="0" smtClean="0"/>
-                        <a:t>Yes</a:t>
-                      </a:r>
-                      <a:endParaRPr lang="en-GB" dirty="0"/>
-                    </a:p>
-                  </a:txBody>
-                  <a:tcPr/>
-                </a:tc>
-                <a:tc>
-                  <a:txBody>
-                    <a:bodyPr/>
-                    <a:lstStyle/>
-                    <a:p>
-                      <a:r>
-                        <a:rPr lang="en-GB" dirty="0" smtClean="0"/>
-                        <a:t>Off</a:t>
-                      </a:r>
-                      <a:endParaRPr lang="en-GB" dirty="0"/>
-                    </a:p>
-                  </a:txBody>
-                  <a:tcPr/>
-                </a:tc>
-                <a:extLst>
-                  <a:ext uri="{0D108BD9-81ED-4DB2-BD59-A6C34878D82A}">
-                    <a16:rowId xmlns:a16="http://schemas.microsoft.com/office/drawing/2014/main" val="1822420664"/>
-                  </a:ext>
-                </a:extLst>
-              </a:tr>
-              <a:tr h="370840">
-                <a:tc>
-                  <a:txBody>
-                    <a:bodyPr/>
-                    <a:lstStyle/>
-                    <a:p>
-                      <a:r>
-                        <a:rPr lang="en-GB" dirty="0" smtClean="0"/>
-                        <a:t>0</a:t>
-                      </a:r>
-                      <a:endParaRPr lang="en-GB" dirty="0"/>
-                    </a:p>
-                  </a:txBody>
-                  <a:tcPr/>
-                </a:tc>
-                <a:tc>
-                  <a:txBody>
-                    <a:bodyPr/>
-                    <a:lstStyle/>
-                    <a:p>
-                      <a:r>
-                        <a:rPr lang="en-GB" dirty="0" smtClean="0"/>
-                        <a:t>No</a:t>
-                      </a:r>
-                      <a:endParaRPr lang="en-GB" dirty="0"/>
-                    </a:p>
-                  </a:txBody>
-                  <a:tcPr/>
-                </a:tc>
-                <a:tc>
-                  <a:txBody>
-                    <a:bodyPr/>
-                    <a:lstStyle/>
-                    <a:p>
-                      <a:r>
-                        <a:rPr lang="en-GB" dirty="0" smtClean="0"/>
-                        <a:t>On</a:t>
-                      </a:r>
-                      <a:endParaRPr lang="en-GB" dirty="0"/>
-                    </a:p>
-                  </a:txBody>
-                  <a:tcPr/>
-                </a:tc>
-                <a:extLst>
-                  <a:ext uri="{0D108BD9-81ED-4DB2-BD59-A6C34878D82A}">
-                    <a16:rowId xmlns:a16="http://schemas.microsoft.com/office/drawing/2014/main" val="1780297747"/>
-                  </a:ext>
-                </a:extLst>
-              </a:tr>
-            </a:tbl>
-          </a:graphicData>
-        </a:graphic>
-      </p:graphicFrame>
     </p:spTree>
     <p:extLst>
       <p:ext uri="{BB962C8B-B14F-4D97-AF65-F5344CB8AC3E}">
-        <p14:creationId xmlns:p14="http://schemas.microsoft.com/office/powerpoint/2010/main" val="495724549"/>
+        <p14:creationId xmlns:p14="http://schemas.microsoft.com/office/powerpoint/2010/main" val="2812926811"/>
       </p:ext>
     </p:extLst>
   </p:cSld>
